--- a/발표자료/스크립트언어 중간발표.pptx
+++ b/발표자료/스크립트언어 중간발표.pptx
@@ -221,7 +221,7 @@
           <a:p>
             <a:fld id="{F640D3BF-C41F-4BF0-8A27-06E941D8624A}" type="datetimeFigureOut">
               <a:rPr lang="ko-KR" altLang="en-US" smtClean="0"/>
-              <a:t>2019-05-28</a:t>
+              <a:t>2019-05-29</a:t>
             </a:fld>
             <a:endParaRPr lang="ko-KR" altLang="en-US"/>
           </a:p>
@@ -845,7 +845,7 @@
           <a:p>
             <a:fld id="{1EDD8A62-3781-438D-9D13-4B61D27C6E38}" type="datetimeFigureOut">
               <a:rPr lang="ko-KR" altLang="en-US" smtClean="0"/>
-              <a:t>2019-05-28</a:t>
+              <a:t>2019-05-29</a:t>
             </a:fld>
             <a:endParaRPr lang="ko-KR" altLang="en-US"/>
           </a:p>
@@ -1013,7 +1013,7 @@
           <a:p>
             <a:fld id="{1EDD8A62-3781-438D-9D13-4B61D27C6E38}" type="datetimeFigureOut">
               <a:rPr lang="ko-KR" altLang="en-US" smtClean="0"/>
-              <a:t>2019-05-28</a:t>
+              <a:t>2019-05-29</a:t>
             </a:fld>
             <a:endParaRPr lang="ko-KR" altLang="en-US"/>
           </a:p>
@@ -1191,7 +1191,7 @@
           <a:p>
             <a:fld id="{1EDD8A62-3781-438D-9D13-4B61D27C6E38}" type="datetimeFigureOut">
               <a:rPr lang="ko-KR" altLang="en-US" smtClean="0"/>
-              <a:t>2019-05-28</a:t>
+              <a:t>2019-05-29</a:t>
             </a:fld>
             <a:endParaRPr lang="ko-KR" altLang="en-US"/>
           </a:p>
@@ -1359,7 +1359,7 @@
           <a:p>
             <a:fld id="{1EDD8A62-3781-438D-9D13-4B61D27C6E38}" type="datetimeFigureOut">
               <a:rPr lang="ko-KR" altLang="en-US" smtClean="0"/>
-              <a:t>2019-05-28</a:t>
+              <a:t>2019-05-29</a:t>
             </a:fld>
             <a:endParaRPr lang="ko-KR" altLang="en-US"/>
           </a:p>
@@ -1604,7 +1604,7 @@
           <a:p>
             <a:fld id="{1EDD8A62-3781-438D-9D13-4B61D27C6E38}" type="datetimeFigureOut">
               <a:rPr lang="ko-KR" altLang="en-US" smtClean="0"/>
-              <a:t>2019-05-28</a:t>
+              <a:t>2019-05-29</a:t>
             </a:fld>
             <a:endParaRPr lang="ko-KR" altLang="en-US"/>
           </a:p>
@@ -1889,7 +1889,7 @@
           <a:p>
             <a:fld id="{1EDD8A62-3781-438D-9D13-4B61D27C6E38}" type="datetimeFigureOut">
               <a:rPr lang="ko-KR" altLang="en-US" smtClean="0"/>
-              <a:t>2019-05-28</a:t>
+              <a:t>2019-05-29</a:t>
             </a:fld>
             <a:endParaRPr lang="ko-KR" altLang="en-US"/>
           </a:p>
@@ -2308,7 +2308,7 @@
           <a:p>
             <a:fld id="{1EDD8A62-3781-438D-9D13-4B61D27C6E38}" type="datetimeFigureOut">
               <a:rPr lang="ko-KR" altLang="en-US" smtClean="0"/>
-              <a:t>2019-05-28</a:t>
+              <a:t>2019-05-29</a:t>
             </a:fld>
             <a:endParaRPr lang="ko-KR" altLang="en-US"/>
           </a:p>
@@ -2425,7 +2425,7 @@
           <a:p>
             <a:fld id="{1EDD8A62-3781-438D-9D13-4B61D27C6E38}" type="datetimeFigureOut">
               <a:rPr lang="ko-KR" altLang="en-US" smtClean="0"/>
-              <a:t>2019-05-28</a:t>
+              <a:t>2019-05-29</a:t>
             </a:fld>
             <a:endParaRPr lang="ko-KR" altLang="en-US"/>
           </a:p>
@@ -2520,7 +2520,7 @@
           <a:p>
             <a:fld id="{1EDD8A62-3781-438D-9D13-4B61D27C6E38}" type="datetimeFigureOut">
               <a:rPr lang="ko-KR" altLang="en-US" smtClean="0"/>
-              <a:t>2019-05-28</a:t>
+              <a:t>2019-05-29</a:t>
             </a:fld>
             <a:endParaRPr lang="ko-KR" altLang="en-US"/>
           </a:p>
@@ -2795,7 +2795,7 @@
           <a:p>
             <a:fld id="{1EDD8A62-3781-438D-9D13-4B61D27C6E38}" type="datetimeFigureOut">
               <a:rPr lang="ko-KR" altLang="en-US" smtClean="0"/>
-              <a:t>2019-05-28</a:t>
+              <a:t>2019-05-29</a:t>
             </a:fld>
             <a:endParaRPr lang="ko-KR" altLang="en-US"/>
           </a:p>
@@ -3047,7 +3047,7 @@
           <a:p>
             <a:fld id="{1EDD8A62-3781-438D-9D13-4B61D27C6E38}" type="datetimeFigureOut">
               <a:rPr lang="ko-KR" altLang="en-US" smtClean="0"/>
-              <a:t>2019-05-28</a:t>
+              <a:t>2019-05-29</a:t>
             </a:fld>
             <a:endParaRPr lang="ko-KR" altLang="en-US"/>
           </a:p>
@@ -3258,7 +3258,7 @@
           <a:p>
             <a:fld id="{1EDD8A62-3781-438D-9D13-4B61D27C6E38}" type="datetimeFigureOut">
               <a:rPr lang="ko-KR" altLang="en-US" smtClean="0"/>
-              <a:t>2019-05-28</a:t>
+              <a:t>2019-05-29</a:t>
             </a:fld>
             <a:endParaRPr lang="ko-KR" altLang="en-US"/>
           </a:p>
@@ -4988,10 +4988,10 @@
       </p:sp>
       <p:pic>
         <p:nvPicPr>
-          <p:cNvPr id="2" name="그림 1">
+          <p:cNvPr id="3" name="그림 2">
             <a:extLst>
               <a:ext uri="{FF2B5EF4-FFF2-40B4-BE49-F238E27FC236}">
-                <a16:creationId xmlns:a16="http://schemas.microsoft.com/office/drawing/2014/main" id="{48AFAE08-4253-4010-BEB0-E7844D1663DF}"/>
+                <a16:creationId xmlns:a16="http://schemas.microsoft.com/office/drawing/2014/main" id="{FF0A577F-2872-4150-8CDF-7F1040F943E7}"/>
               </a:ext>
             </a:extLst>
           </p:cNvPr>
@@ -5008,8 +5008,8 @@
         </p:blipFill>
         <p:spPr>
           <a:xfrm>
-            <a:off x="773832" y="1065053"/>
-            <a:ext cx="7596336" cy="3694301"/>
+            <a:off x="1907704" y="1025730"/>
+            <a:ext cx="5204671" cy="4016583"/>
           </a:xfrm>
           <a:prstGeom prst="rect">
             <a:avLst/>
